--- a/source/Chapitre 2 - Les variables.pptx
+++ b/source/Chapitre 2 - Les variables.pptx
@@ -157,13 +157,320 @@
 <file path=ppt/revisionInfo.xml><?xml version="1.0" encoding="utf-8"?>
 <p1510:revInfo xmlns:a="http://schemas.openxmlformats.org/drawingml/2006/main" xmlns:r="http://schemas.openxmlformats.org/officeDocument/2006/relationships" xmlns:p1510="http://schemas.microsoft.com/office/powerpoint/2015/10/main">
   <p1510:revLst>
-    <p1510:client id="{B241C1B2-9761-E64E-BCC4-F62B3CAD1D56}" v="120" dt="2023-07-02T15:43:11.562"/>
+    <p1510:client id="{18C89141-D6C2-4499-8E3E-0CB88D3B3006}" v="1" dt="2023-11-12T17:29:00.961"/>
   </p1510:revLst>
 </p1510:revInfo>
 </file>
 
 <file path=ppt/changesInfos/changesInfo1.xml><?xml version="1.0" encoding="utf-8"?>
 <pc:chgInfo xmlns:a="http://schemas.openxmlformats.org/drawingml/2006/main" xmlns:r="http://schemas.openxmlformats.org/officeDocument/2006/relationships" xmlns:ac="http://schemas.microsoft.com/office/drawing/2013/main/command" xmlns:pc="http://schemas.microsoft.com/office/powerpoint/2013/main/command">
+  <pc:docChgLst>
+    <pc:chgData name="Ismaël Tuo" userId="fca7baf0e513a1e6" providerId="LiveId" clId="{18C89141-D6C2-4499-8E3E-0CB88D3B3006}"/>
+    <pc:docChg chg="custSel modSld">
+      <pc:chgData name="Ismaël Tuo" userId="fca7baf0e513a1e6" providerId="LiveId" clId="{18C89141-D6C2-4499-8E3E-0CB88D3B3006}" dt="2023-11-12T17:32:00.781" v="35" actId="113"/>
+      <pc:docMkLst>
+        <pc:docMk/>
+      </pc:docMkLst>
+      <pc:sldChg chg="modSp mod">
+        <pc:chgData name="Ismaël Tuo" userId="fca7baf0e513a1e6" providerId="LiveId" clId="{18C89141-D6C2-4499-8E3E-0CB88D3B3006}" dt="2023-11-12T17:28:51.306" v="1" actId="403"/>
+        <pc:sldMkLst>
+          <pc:docMk/>
+          <pc:sldMk cId="1268069196" sldId="285"/>
+        </pc:sldMkLst>
+        <pc:spChg chg="mod">
+          <ac:chgData name="Ismaël Tuo" userId="fca7baf0e513a1e6" providerId="LiveId" clId="{18C89141-D6C2-4499-8E3E-0CB88D3B3006}" dt="2023-11-12T17:28:47.739" v="0" actId="113"/>
+          <ac:spMkLst>
+            <pc:docMk/>
+            <pc:sldMk cId="1268069196" sldId="285"/>
+            <ac:spMk id="6" creationId="{84F10693-2FE8-EFC8-8DB6-84BFD181D260}"/>
+          </ac:spMkLst>
+        </pc:spChg>
+        <pc:spChg chg="mod">
+          <ac:chgData name="Ismaël Tuo" userId="fca7baf0e513a1e6" providerId="LiveId" clId="{18C89141-D6C2-4499-8E3E-0CB88D3B3006}" dt="2023-11-12T17:28:51.306" v="1" actId="403"/>
+          <ac:spMkLst>
+            <pc:docMk/>
+            <pc:sldMk cId="1268069196" sldId="285"/>
+            <ac:spMk id="11" creationId="{C27A3656-3CB0-8161-AE9F-B92FBE4F5083}"/>
+          </ac:spMkLst>
+        </pc:spChg>
+      </pc:sldChg>
+      <pc:sldChg chg="modSp mod">
+        <pc:chgData name="Ismaël Tuo" userId="fca7baf0e513a1e6" providerId="LiveId" clId="{18C89141-D6C2-4499-8E3E-0CB88D3B3006}" dt="2023-11-12T17:29:06.568" v="4" actId="113"/>
+        <pc:sldMkLst>
+          <pc:docMk/>
+          <pc:sldMk cId="2639441608" sldId="286"/>
+        </pc:sldMkLst>
+        <pc:spChg chg="mod">
+          <ac:chgData name="Ismaël Tuo" userId="fca7baf0e513a1e6" providerId="LiveId" clId="{18C89141-D6C2-4499-8E3E-0CB88D3B3006}" dt="2023-11-12T17:29:06.568" v="4" actId="113"/>
+          <ac:spMkLst>
+            <pc:docMk/>
+            <pc:sldMk cId="2639441608" sldId="286"/>
+            <ac:spMk id="3" creationId="{5A102BF3-1362-FE4C-11CE-C75C3F53E8D3}"/>
+          </ac:spMkLst>
+        </pc:spChg>
+        <pc:spChg chg="mod">
+          <ac:chgData name="Ismaël Tuo" userId="fca7baf0e513a1e6" providerId="LiveId" clId="{18C89141-D6C2-4499-8E3E-0CB88D3B3006}" dt="2023-11-12T17:28:57.258" v="2" actId="113"/>
+          <ac:spMkLst>
+            <pc:docMk/>
+            <pc:sldMk cId="2639441608" sldId="286"/>
+            <ac:spMk id="6" creationId="{84F10693-2FE8-EFC8-8DB6-84BFD181D260}"/>
+          </ac:spMkLst>
+        </pc:spChg>
+      </pc:sldChg>
+      <pc:sldChg chg="modSp mod">
+        <pc:chgData name="Ismaël Tuo" userId="fca7baf0e513a1e6" providerId="LiveId" clId="{18C89141-D6C2-4499-8E3E-0CB88D3B3006}" dt="2023-11-12T17:29:12.439" v="5" actId="113"/>
+        <pc:sldMkLst>
+          <pc:docMk/>
+          <pc:sldMk cId="2836114046" sldId="287"/>
+        </pc:sldMkLst>
+        <pc:spChg chg="mod">
+          <ac:chgData name="Ismaël Tuo" userId="fca7baf0e513a1e6" providerId="LiveId" clId="{18C89141-D6C2-4499-8E3E-0CB88D3B3006}" dt="2023-11-12T17:29:12.439" v="5" actId="113"/>
+          <ac:spMkLst>
+            <pc:docMk/>
+            <pc:sldMk cId="2836114046" sldId="287"/>
+            <ac:spMk id="6" creationId="{84F10693-2FE8-EFC8-8DB6-84BFD181D260}"/>
+          </ac:spMkLst>
+        </pc:spChg>
+      </pc:sldChg>
+      <pc:sldChg chg="modSp mod">
+        <pc:chgData name="Ismaël Tuo" userId="fca7baf0e513a1e6" providerId="LiveId" clId="{18C89141-D6C2-4499-8E3E-0CB88D3B3006}" dt="2023-11-12T17:29:51.461" v="10" actId="33524"/>
+        <pc:sldMkLst>
+          <pc:docMk/>
+          <pc:sldMk cId="4179568105" sldId="288"/>
+        </pc:sldMkLst>
+        <pc:spChg chg="mod">
+          <ac:chgData name="Ismaël Tuo" userId="fca7baf0e513a1e6" providerId="LiveId" clId="{18C89141-D6C2-4499-8E3E-0CB88D3B3006}" dt="2023-11-12T17:29:27.117" v="7" actId="114"/>
+          <ac:spMkLst>
+            <pc:docMk/>
+            <pc:sldMk cId="4179568105" sldId="288"/>
+            <ac:spMk id="2" creationId="{EC9934C2-4551-6AD7-BD88-518DC047830D}"/>
+          </ac:spMkLst>
+        </pc:spChg>
+        <pc:spChg chg="mod">
+          <ac:chgData name="Ismaël Tuo" userId="fca7baf0e513a1e6" providerId="LiveId" clId="{18C89141-D6C2-4499-8E3E-0CB88D3B3006}" dt="2023-11-12T17:29:42.226" v="8" actId="114"/>
+          <ac:spMkLst>
+            <pc:docMk/>
+            <pc:sldMk cId="4179568105" sldId="288"/>
+            <ac:spMk id="3" creationId="{81596799-C842-9030-435C-EDC8E68430EE}"/>
+          </ac:spMkLst>
+        </pc:spChg>
+        <pc:spChg chg="mod">
+          <ac:chgData name="Ismaël Tuo" userId="fca7baf0e513a1e6" providerId="LiveId" clId="{18C89141-D6C2-4499-8E3E-0CB88D3B3006}" dt="2023-11-12T17:29:23.023" v="6" actId="113"/>
+          <ac:spMkLst>
+            <pc:docMk/>
+            <pc:sldMk cId="4179568105" sldId="288"/>
+            <ac:spMk id="6" creationId="{84F10693-2FE8-EFC8-8DB6-84BFD181D260}"/>
+          </ac:spMkLst>
+        </pc:spChg>
+        <pc:spChg chg="mod">
+          <ac:chgData name="Ismaël Tuo" userId="fca7baf0e513a1e6" providerId="LiveId" clId="{18C89141-D6C2-4499-8E3E-0CB88D3B3006}" dt="2023-11-12T17:29:47.525" v="9" actId="33524"/>
+          <ac:spMkLst>
+            <pc:docMk/>
+            <pc:sldMk cId="4179568105" sldId="288"/>
+            <ac:spMk id="7" creationId="{0C314994-C0E5-5F00-10B6-C49027ED4B6C}"/>
+          </ac:spMkLst>
+        </pc:spChg>
+        <pc:spChg chg="mod">
+          <ac:chgData name="Ismaël Tuo" userId="fca7baf0e513a1e6" providerId="LiveId" clId="{18C89141-D6C2-4499-8E3E-0CB88D3B3006}" dt="2023-11-12T17:29:51.461" v="10" actId="33524"/>
+          <ac:spMkLst>
+            <pc:docMk/>
+            <pc:sldMk cId="4179568105" sldId="288"/>
+            <ac:spMk id="13" creationId="{E7A34E49-D0BD-64D8-5B59-08E2D5D6A806}"/>
+          </ac:spMkLst>
+        </pc:spChg>
+      </pc:sldChg>
+      <pc:sldChg chg="modSp mod">
+        <pc:chgData name="Ismaël Tuo" userId="fca7baf0e513a1e6" providerId="LiveId" clId="{18C89141-D6C2-4499-8E3E-0CB88D3B3006}" dt="2023-11-12T17:29:58.427" v="11" actId="113"/>
+        <pc:sldMkLst>
+          <pc:docMk/>
+          <pc:sldMk cId="3900158516" sldId="289"/>
+        </pc:sldMkLst>
+        <pc:spChg chg="mod">
+          <ac:chgData name="Ismaël Tuo" userId="fca7baf0e513a1e6" providerId="LiveId" clId="{18C89141-D6C2-4499-8E3E-0CB88D3B3006}" dt="2023-11-12T17:29:58.427" v="11" actId="113"/>
+          <ac:spMkLst>
+            <pc:docMk/>
+            <pc:sldMk cId="3900158516" sldId="289"/>
+            <ac:spMk id="6" creationId="{84F10693-2FE8-EFC8-8DB6-84BFD181D260}"/>
+          </ac:spMkLst>
+        </pc:spChg>
+      </pc:sldChg>
+      <pc:sldChg chg="modSp mod">
+        <pc:chgData name="Ismaël Tuo" userId="fca7baf0e513a1e6" providerId="LiveId" clId="{18C89141-D6C2-4499-8E3E-0CB88D3B3006}" dt="2023-11-12T17:30:10.570" v="13" actId="33524"/>
+        <pc:sldMkLst>
+          <pc:docMk/>
+          <pc:sldMk cId="2168108380" sldId="290"/>
+        </pc:sldMkLst>
+        <pc:spChg chg="mod">
+          <ac:chgData name="Ismaël Tuo" userId="fca7baf0e513a1e6" providerId="LiveId" clId="{18C89141-D6C2-4499-8E3E-0CB88D3B3006}" dt="2023-11-12T17:30:05.151" v="12" actId="113"/>
+          <ac:spMkLst>
+            <pc:docMk/>
+            <pc:sldMk cId="2168108380" sldId="290"/>
+            <ac:spMk id="6" creationId="{84F10693-2FE8-EFC8-8DB6-84BFD181D260}"/>
+          </ac:spMkLst>
+        </pc:spChg>
+        <pc:spChg chg="mod">
+          <ac:chgData name="Ismaël Tuo" userId="fca7baf0e513a1e6" providerId="LiveId" clId="{18C89141-D6C2-4499-8E3E-0CB88D3B3006}" dt="2023-11-12T17:30:10.570" v="13" actId="33524"/>
+          <ac:spMkLst>
+            <pc:docMk/>
+            <pc:sldMk cId="2168108380" sldId="290"/>
+            <ac:spMk id="10" creationId="{5A2D93A6-B99A-D605-1B06-6CEE06A17D2A}"/>
+          </ac:spMkLst>
+        </pc:spChg>
+      </pc:sldChg>
+      <pc:sldChg chg="modSp mod">
+        <pc:chgData name="Ismaël Tuo" userId="fca7baf0e513a1e6" providerId="LiveId" clId="{18C89141-D6C2-4499-8E3E-0CB88D3B3006}" dt="2023-11-12T17:30:46.789" v="23" actId="114"/>
+        <pc:sldMkLst>
+          <pc:docMk/>
+          <pc:sldMk cId="2652758873" sldId="291"/>
+        </pc:sldMkLst>
+        <pc:spChg chg="mod">
+          <ac:chgData name="Ismaël Tuo" userId="fca7baf0e513a1e6" providerId="LiveId" clId="{18C89141-D6C2-4499-8E3E-0CB88D3B3006}" dt="2023-11-12T17:30:46.789" v="23" actId="114"/>
+          <ac:spMkLst>
+            <pc:docMk/>
+            <pc:sldMk cId="2652758873" sldId="291"/>
+            <ac:spMk id="3" creationId="{45C54206-D580-DC37-B4A0-A527B5ED2229}"/>
+          </ac:spMkLst>
+        </pc:spChg>
+        <pc:spChg chg="mod">
+          <ac:chgData name="Ismaël Tuo" userId="fca7baf0e513a1e6" providerId="LiveId" clId="{18C89141-D6C2-4499-8E3E-0CB88D3B3006}" dt="2023-11-12T17:30:15.678" v="14" actId="113"/>
+          <ac:spMkLst>
+            <pc:docMk/>
+            <pc:sldMk cId="2652758873" sldId="291"/>
+            <ac:spMk id="6" creationId="{84F10693-2FE8-EFC8-8DB6-84BFD181D260}"/>
+          </ac:spMkLst>
+        </pc:spChg>
+      </pc:sldChg>
+      <pc:sldChg chg="modSp mod">
+        <pc:chgData name="Ismaël Tuo" userId="fca7baf0e513a1e6" providerId="LiveId" clId="{18C89141-D6C2-4499-8E3E-0CB88D3B3006}" dt="2023-11-12T17:31:14.688" v="28" actId="114"/>
+        <pc:sldMkLst>
+          <pc:docMk/>
+          <pc:sldMk cId="2601574853" sldId="292"/>
+        </pc:sldMkLst>
+        <pc:spChg chg="mod">
+          <ac:chgData name="Ismaël Tuo" userId="fca7baf0e513a1e6" providerId="LiveId" clId="{18C89141-D6C2-4499-8E3E-0CB88D3B3006}" dt="2023-11-12T17:30:59.292" v="26" actId="114"/>
+          <ac:spMkLst>
+            <pc:docMk/>
+            <pc:sldMk cId="2601574853" sldId="292"/>
+            <ac:spMk id="6" creationId="{84F10693-2FE8-EFC8-8DB6-84BFD181D260}"/>
+          </ac:spMkLst>
+        </pc:spChg>
+        <pc:spChg chg="mod">
+          <ac:chgData name="Ismaël Tuo" userId="fca7baf0e513a1e6" providerId="LiveId" clId="{18C89141-D6C2-4499-8E3E-0CB88D3B3006}" dt="2023-11-12T17:31:08.551" v="27" actId="114"/>
+          <ac:spMkLst>
+            <pc:docMk/>
+            <pc:sldMk cId="2601574853" sldId="292"/>
+            <ac:spMk id="9" creationId="{3B042DC6-C278-2086-792B-8ADDE2A8119F}"/>
+          </ac:spMkLst>
+        </pc:spChg>
+        <pc:spChg chg="mod">
+          <ac:chgData name="Ismaël Tuo" userId="fca7baf0e513a1e6" providerId="LiveId" clId="{18C89141-D6C2-4499-8E3E-0CB88D3B3006}" dt="2023-11-12T17:31:14.688" v="28" actId="114"/>
+          <ac:spMkLst>
+            <pc:docMk/>
+            <pc:sldMk cId="2601574853" sldId="292"/>
+            <ac:spMk id="10" creationId="{519ADCDC-A013-72F8-B0F7-C1A28124F9E2}"/>
+          </ac:spMkLst>
+        </pc:spChg>
+      </pc:sldChg>
+      <pc:sldChg chg="modSp mod">
+        <pc:chgData name="Ismaël Tuo" userId="fca7baf0e513a1e6" providerId="LiveId" clId="{18C89141-D6C2-4499-8E3E-0CB88D3B3006}" dt="2023-11-12T17:31:20.086" v="29" actId="113"/>
+        <pc:sldMkLst>
+          <pc:docMk/>
+          <pc:sldMk cId="2429868912" sldId="293"/>
+        </pc:sldMkLst>
+        <pc:spChg chg="mod">
+          <ac:chgData name="Ismaël Tuo" userId="fca7baf0e513a1e6" providerId="LiveId" clId="{18C89141-D6C2-4499-8E3E-0CB88D3B3006}" dt="2023-11-12T17:31:20.086" v="29" actId="113"/>
+          <ac:spMkLst>
+            <pc:docMk/>
+            <pc:sldMk cId="2429868912" sldId="293"/>
+            <ac:spMk id="6" creationId="{84F10693-2FE8-EFC8-8DB6-84BFD181D260}"/>
+          </ac:spMkLst>
+        </pc:spChg>
+      </pc:sldChg>
+      <pc:sldChg chg="modSp mod">
+        <pc:chgData name="Ismaël Tuo" userId="fca7baf0e513a1e6" providerId="LiveId" clId="{18C89141-D6C2-4499-8E3E-0CB88D3B3006}" dt="2023-11-12T17:31:37.727" v="31" actId="114"/>
+        <pc:sldMkLst>
+          <pc:docMk/>
+          <pc:sldMk cId="465987628" sldId="294"/>
+        </pc:sldMkLst>
+        <pc:spChg chg="mod">
+          <ac:chgData name="Ismaël Tuo" userId="fca7baf0e513a1e6" providerId="LiveId" clId="{18C89141-D6C2-4499-8E3E-0CB88D3B3006}" dt="2023-11-12T17:31:30.601" v="30" actId="113"/>
+          <ac:spMkLst>
+            <pc:docMk/>
+            <pc:sldMk cId="465987628" sldId="294"/>
+            <ac:spMk id="6" creationId="{84F10693-2FE8-EFC8-8DB6-84BFD181D260}"/>
+          </ac:spMkLst>
+        </pc:spChg>
+        <pc:spChg chg="mod">
+          <ac:chgData name="Ismaël Tuo" userId="fca7baf0e513a1e6" providerId="LiveId" clId="{18C89141-D6C2-4499-8E3E-0CB88D3B3006}" dt="2023-11-12T17:31:37.727" v="31" actId="114"/>
+          <ac:spMkLst>
+            <pc:docMk/>
+            <pc:sldMk cId="465987628" sldId="294"/>
+            <ac:spMk id="7" creationId="{14E01AC7-2074-60F8-A55D-F850E92A1149}"/>
+          </ac:spMkLst>
+        </pc:spChg>
+      </pc:sldChg>
+      <pc:sldChg chg="modSp mod">
+        <pc:chgData name="Ismaël Tuo" userId="fca7baf0e513a1e6" providerId="LiveId" clId="{18C89141-D6C2-4499-8E3E-0CB88D3B3006}" dt="2023-11-12T17:31:46.050" v="32" actId="113"/>
+        <pc:sldMkLst>
+          <pc:docMk/>
+          <pc:sldMk cId="2621490978" sldId="295"/>
+        </pc:sldMkLst>
+        <pc:spChg chg="mod">
+          <ac:chgData name="Ismaël Tuo" userId="fca7baf0e513a1e6" providerId="LiveId" clId="{18C89141-D6C2-4499-8E3E-0CB88D3B3006}" dt="2023-11-12T17:31:46.050" v="32" actId="113"/>
+          <ac:spMkLst>
+            <pc:docMk/>
+            <pc:sldMk cId="2621490978" sldId="295"/>
+            <ac:spMk id="6" creationId="{84F10693-2FE8-EFC8-8DB6-84BFD181D260}"/>
+          </ac:spMkLst>
+        </pc:spChg>
+      </pc:sldChg>
+      <pc:sldChg chg="modSp mod">
+        <pc:chgData name="Ismaël Tuo" userId="fca7baf0e513a1e6" providerId="LiveId" clId="{18C89141-D6C2-4499-8E3E-0CB88D3B3006}" dt="2023-11-12T17:31:52.801" v="33" actId="113"/>
+        <pc:sldMkLst>
+          <pc:docMk/>
+          <pc:sldMk cId="355212913" sldId="296"/>
+        </pc:sldMkLst>
+        <pc:spChg chg="mod">
+          <ac:chgData name="Ismaël Tuo" userId="fca7baf0e513a1e6" providerId="LiveId" clId="{18C89141-D6C2-4499-8E3E-0CB88D3B3006}" dt="2023-11-12T17:31:52.801" v="33" actId="113"/>
+          <ac:spMkLst>
+            <pc:docMk/>
+            <pc:sldMk cId="355212913" sldId="296"/>
+            <ac:spMk id="3" creationId="{5EFF68F3-1D42-3ED9-1366-1E514CD07492}"/>
+          </ac:spMkLst>
+        </pc:spChg>
+      </pc:sldChg>
+      <pc:sldChg chg="modSp mod">
+        <pc:chgData name="Ismaël Tuo" userId="fca7baf0e513a1e6" providerId="LiveId" clId="{18C89141-D6C2-4499-8E3E-0CB88D3B3006}" dt="2023-11-12T17:31:56.355" v="34" actId="113"/>
+        <pc:sldMkLst>
+          <pc:docMk/>
+          <pc:sldMk cId="623763143" sldId="297"/>
+        </pc:sldMkLst>
+        <pc:spChg chg="mod">
+          <ac:chgData name="Ismaël Tuo" userId="fca7baf0e513a1e6" providerId="LiveId" clId="{18C89141-D6C2-4499-8E3E-0CB88D3B3006}" dt="2023-11-12T17:31:56.355" v="34" actId="113"/>
+          <ac:spMkLst>
+            <pc:docMk/>
+            <pc:sldMk cId="623763143" sldId="297"/>
+            <ac:spMk id="7" creationId="{CD73A39C-E462-9AB2-2468-210CAE39E534}"/>
+          </ac:spMkLst>
+        </pc:spChg>
+      </pc:sldChg>
+      <pc:sldChg chg="modSp mod">
+        <pc:chgData name="Ismaël Tuo" userId="fca7baf0e513a1e6" providerId="LiveId" clId="{18C89141-D6C2-4499-8E3E-0CB88D3B3006}" dt="2023-11-12T17:32:00.781" v="35" actId="113"/>
+        <pc:sldMkLst>
+          <pc:docMk/>
+          <pc:sldMk cId="3851865816" sldId="298"/>
+        </pc:sldMkLst>
+        <pc:spChg chg="mod">
+          <ac:chgData name="Ismaël Tuo" userId="fca7baf0e513a1e6" providerId="LiveId" clId="{18C89141-D6C2-4499-8E3E-0CB88D3B3006}" dt="2023-11-12T17:32:00.781" v="35" actId="113"/>
+          <ac:spMkLst>
+            <pc:docMk/>
+            <pc:sldMk cId="3851865816" sldId="298"/>
+            <ac:spMk id="3" creationId="{268D6D1C-87C1-CCB3-40CC-B1044576BACB}"/>
+          </ac:spMkLst>
+        </pc:spChg>
+      </pc:sldChg>
+    </pc:docChg>
+  </pc:docChgLst>
   <pc:docChgLst>
     <pc:chgData name="Ismaël Tuo" userId="fca7baf0e513a1e6" providerId="LiveId" clId="{ABAD35E0-20F2-924D-9CFF-DB760A0CF68F}"/>
     <pc:docChg chg="custSel addSld delSld modSld">
@@ -2028,7 +2335,7 @@
           <a:p>
             <a:fld id="{5D1B8971-FAD5-A544-A565-5C81831E2E08}" type="datetimeFigureOut">
               <a:rPr lang="fr-FR" smtClean="0"/>
-              <a:t>02/07/2023</a:t>
+              <a:t>12/11/2023</a:t>
             </a:fld>
             <a:endParaRPr lang="fr-FR"/>
           </a:p>
@@ -3302,7 +3609,7 @@
           <a:p>
             <a:fld id="{446AF453-C717-E044-9B61-C449088DBB9F}" type="datetime1">
               <a:rPr lang="fr-FR" smtClean="0"/>
-              <a:t>02/07/2023</a:t>
+              <a:t>12/11/2023</a:t>
             </a:fld>
             <a:endParaRPr lang="fr-FR"/>
           </a:p>
@@ -3476,7 +3783,7 @@
           <a:p>
             <a:fld id="{0AD74B8B-4B66-A54B-A7E1-EB9F6C09CE67}" type="datetime1">
               <a:rPr lang="fr-FR" smtClean="0"/>
-              <a:t>02/07/2023</a:t>
+              <a:t>12/11/2023</a:t>
             </a:fld>
             <a:endParaRPr lang="fr-FR"/>
           </a:p>
@@ -3660,7 +3967,7 @@
           <a:p>
             <a:fld id="{9584F9F2-42A0-CD42-8013-986AEAF97421}" type="datetime1">
               <a:rPr lang="fr-FR" smtClean="0"/>
-              <a:t>02/07/2023</a:t>
+              <a:t>12/11/2023</a:t>
             </a:fld>
             <a:endParaRPr lang="fr-FR"/>
           </a:p>
@@ -3834,7 +4141,7 @@
           <a:p>
             <a:fld id="{DAB9BD9F-3179-BB4C-96AB-C40862581685}" type="datetime1">
               <a:rPr lang="fr-FR" smtClean="0"/>
-              <a:t>02/07/2023</a:t>
+              <a:t>12/11/2023</a:t>
             </a:fld>
             <a:endParaRPr lang="fr-FR"/>
           </a:p>
@@ -4106,7 +4413,7 @@
           <a:p>
             <a:fld id="{A664DE96-64FF-BC43-8A9C-18ED43A528D6}" type="datetime1">
               <a:rPr lang="fr-FR" smtClean="0"/>
-              <a:t>02/07/2023</a:t>
+              <a:t>12/11/2023</a:t>
             </a:fld>
             <a:endParaRPr lang="fr-FR"/>
           </a:p>
@@ -4342,7 +4649,7 @@
           <a:p>
             <a:fld id="{2C8FE800-9F9B-1C4F-A1CD-9EF46842C4CA}" type="datetime1">
               <a:rPr lang="fr-FR" smtClean="0"/>
-              <a:t>02/07/2023</a:t>
+              <a:t>12/11/2023</a:t>
             </a:fld>
             <a:endParaRPr lang="fr-FR"/>
           </a:p>
@@ -4705,7 +5012,7 @@
           <a:p>
             <a:fld id="{0F7DED4E-8CB4-EF40-A349-EFC02EC7784E}" type="datetime1">
               <a:rPr lang="fr-FR" smtClean="0"/>
-              <a:t>02/07/2023</a:t>
+              <a:t>12/11/2023</a:t>
             </a:fld>
             <a:endParaRPr lang="fr-FR"/>
           </a:p>
@@ -4850,7 +5157,7 @@
           <a:p>
             <a:fld id="{5BB88D77-E8A2-E24F-81D2-817E60779F3E}" type="datetime1">
               <a:rPr lang="fr-FR" smtClean="0"/>
-              <a:t>02/07/2023</a:t>
+              <a:t>12/11/2023</a:t>
             </a:fld>
             <a:endParaRPr lang="fr-FR"/>
           </a:p>
@@ -4949,7 +5256,7 @@
           <a:p>
             <a:fld id="{817F964E-5B57-884A-A1B8-925BFA5276AF}" type="datetime1">
               <a:rPr lang="fr-FR" smtClean="0"/>
-              <a:t>02/07/2023</a:t>
+              <a:t>12/11/2023</a:t>
             </a:fld>
             <a:endParaRPr lang="fr-FR"/>
           </a:p>
@@ -5310,7 +5617,7 @@
           <a:p>
             <a:fld id="{D5636CD0-A2E6-1543-A0E5-C829C16FEE55}" type="datetime1">
               <a:rPr lang="fr-FR" smtClean="0"/>
-              <a:t>02/07/2023</a:t>
+              <a:t>12/11/2023</a:t>
             </a:fld>
             <a:endParaRPr lang="fr-FR"/>
           </a:p>
@@ -5671,7 +5978,7 @@
           <a:p>
             <a:fld id="{CEE5CE4A-5B1A-1846-BA66-722BDB7A9525}" type="datetime1">
               <a:rPr lang="fr-FR" smtClean="0"/>
-              <a:t>02/07/2023</a:t>
+              <a:t>12/11/2023</a:t>
             </a:fld>
             <a:endParaRPr lang="fr-FR"/>
           </a:p>
@@ -5918,7 +6225,7 @@
           <a:p>
             <a:fld id="{55A13D9C-CA6E-9C45-8634-4423EBFFD553}" type="datetime1">
               <a:rPr lang="fr-FR" smtClean="0"/>
-              <a:t>02/07/2023</a:t>
+              <a:t>12/11/2023</a:t>
             </a:fld>
             <a:endParaRPr lang="fr-FR"/>
           </a:p>
@@ -6830,7 +7137,7 @@
           <a:lstStyle/>
           <a:p>
             <a:r>
-              <a:rPr lang="fr-FR" sz="2400" dirty="0">
+              <a:rPr lang="fr-FR" sz="2400" b="1" dirty="0">
                 <a:latin typeface="Times New Roman" panose="02020603050405020304" pitchFamily="18" charset="0"/>
                 <a:cs typeface="Times New Roman" panose="02020603050405020304" pitchFamily="18" charset="0"/>
               </a:rPr>
@@ -7203,7 +7510,7 @@
           <a:lstStyle/>
           <a:p>
             <a:r>
-              <a:rPr lang="fr-FR" sz="2400" dirty="0">
+              <a:rPr lang="fr-FR" sz="2400" b="1" dirty="0">
                 <a:latin typeface="Times New Roman" panose="02020603050405020304" pitchFamily="18" charset="0"/>
                 <a:cs typeface="Times New Roman" panose="02020603050405020304" pitchFamily="18" charset="0"/>
               </a:rPr>
@@ -7395,20 +7702,20 @@
               <a:t>Exécuter le code avec un terminal avec la commande </a:t>
             </a:r>
             <a:r>
-              <a:rPr lang="fr-FR" sz="2000" b="1" dirty="0">
+              <a:rPr lang="fr-FR" sz="2000" b="1" i="1" dirty="0">
                 <a:latin typeface="Times New Roman" panose="02020603050405020304" pitchFamily="18" charset="0"/>
                 <a:cs typeface="Times New Roman" panose="02020603050405020304" pitchFamily="18" charset="0"/>
               </a:rPr>
               <a:t>python </a:t>
             </a:r>
             <a:r>
-              <a:rPr lang="fr-FR" sz="2000" b="1" dirty="0" err="1">
+              <a:rPr lang="fr-FR" sz="2000" b="1" i="1" dirty="0" err="1">
                 <a:latin typeface="Times New Roman" panose="02020603050405020304" pitchFamily="18" charset="0"/>
                 <a:cs typeface="Times New Roman" panose="02020603050405020304" pitchFamily="18" charset="0"/>
               </a:rPr>
               <a:t>nom_script.py</a:t>
             </a:r>
-            <a:endParaRPr lang="fr-FR" sz="2000" dirty="0">
+            <a:endParaRPr lang="fr-FR" sz="2000" i="1" dirty="0">
               <a:latin typeface="Times New Roman" panose="02020603050405020304" pitchFamily="18" charset="0"/>
               <a:cs typeface="Times New Roman" panose="02020603050405020304" pitchFamily="18" charset="0"/>
             </a:endParaRPr>
@@ -7822,7 +8129,7 @@
           <a:lstStyle/>
           <a:p>
             <a:r>
-              <a:rPr lang="fr-FR" sz="2400" dirty="0">
+              <a:rPr lang="fr-FR" sz="2400" b="1" dirty="0">
                 <a:latin typeface="Times New Roman" panose="02020603050405020304" pitchFamily="18" charset="0"/>
                 <a:cs typeface="Times New Roman" panose="02020603050405020304" pitchFamily="18" charset="0"/>
               </a:rPr>
@@ -8513,7 +8820,7 @@
           <a:lstStyle/>
           <a:p>
             <a:r>
-              <a:rPr lang="fr-FR" sz="2400" dirty="0">
+              <a:rPr lang="fr-FR" sz="2400" b="1" dirty="0">
                 <a:latin typeface="Times New Roman" panose="02020603050405020304" pitchFamily="18" charset="0"/>
                 <a:cs typeface="Times New Roman" panose="02020603050405020304" pitchFamily="18" charset="0"/>
               </a:rPr>
@@ -8913,7 +9220,7 @@
           <a:lstStyle/>
           <a:p>
             <a:r>
-              <a:rPr lang="fr-FR" sz="2400" dirty="0">
+              <a:rPr lang="fr-FR" sz="2400" b="1" dirty="0">
                 <a:latin typeface="Times New Roman" panose="02020603050405020304" pitchFamily="18" charset="0"/>
                 <a:cs typeface="Times New Roman" panose="02020603050405020304" pitchFamily="18" charset="0"/>
               </a:rPr>
@@ -9088,8 +9395,8 @@
           </a:p>
         </p:txBody>
       </p:sp>
-      <mc:AlternateContent xmlns:mc="http://schemas.openxmlformats.org/markup-compatibility/2006">
-        <mc:Choice xmlns:a14="http://schemas.microsoft.com/office/drawing/2010/main" Requires="a14">
+      <mc:AlternateContent xmlns:mc="http://schemas.openxmlformats.org/markup-compatibility/2006" xmlns:a14="http://schemas.microsoft.com/office/drawing/2010/main">
+        <mc:Choice Requires="a14">
           <p:sp>
             <p:nvSpPr>
               <p:cNvPr id="13" name="ZoneTexte 12">
@@ -9137,7 +9444,31 @@
                       <a:rPr lang="fr-FR" sz="2000">
                         <a:latin typeface="Cambria Math" panose="02040503050406030204" pitchFamily="18" charset="0"/>
                       </a:rPr>
-                      <m:t>12, 13, 3</m:t>
+                      <m:t>12</m:t>
+                    </m:r>
+                    <m:r>
+                      <a:rPr lang="fr-FR" sz="2000">
+                        <a:latin typeface="Cambria Math" panose="02040503050406030204" pitchFamily="18" charset="0"/>
+                      </a:rPr>
+                      <m:t>, </m:t>
+                    </m:r>
+                    <m:r>
+                      <a:rPr lang="fr-FR" sz="2000">
+                        <a:latin typeface="Cambria Math" panose="02040503050406030204" pitchFamily="18" charset="0"/>
+                      </a:rPr>
+                      <m:t>13</m:t>
+                    </m:r>
+                    <m:r>
+                      <a:rPr lang="fr-FR" sz="2000">
+                        <a:latin typeface="Cambria Math" panose="02040503050406030204" pitchFamily="18" charset="0"/>
+                      </a:rPr>
+                      <m:t>, </m:t>
+                    </m:r>
+                    <m:r>
+                      <a:rPr lang="fr-FR" sz="2000">
+                        <a:latin typeface="Cambria Math" panose="02040503050406030204" pitchFamily="18" charset="0"/>
+                      </a:rPr>
+                      <m:t>3</m:t>
                     </m:r>
                   </m:oMath>
                 </a14:m>
@@ -9161,7 +9492,7 @@
             </p:txBody>
           </p:sp>
         </mc:Choice>
-        <mc:Fallback>
+        <mc:Fallback xmlns="">
           <p:sp>
             <p:nvSpPr>
               <p:cNvPr id="13" name="ZoneTexte 12">
@@ -9235,7 +9566,7 @@
           <a:lstStyle/>
           <a:p>
             <a:r>
-              <a:rPr lang="fr-FR" sz="2400" dirty="0">
+              <a:rPr lang="fr-FR" sz="2400" b="1" dirty="0">
                 <a:latin typeface="Times New Roman" panose="02020603050405020304" pitchFamily="18" charset="0"/>
                 <a:cs typeface="Times New Roman" panose="02020603050405020304" pitchFamily="18" charset="0"/>
               </a:rPr>
@@ -9535,7 +9866,7 @@
           <a:lstStyle/>
           <a:p>
             <a:r>
-              <a:rPr lang="fr-FR" sz="2800" dirty="0"/>
+              <a:rPr lang="fr-FR" sz="2800" b="1" dirty="0"/>
               <a:t>Sommaire</a:t>
             </a:r>
           </a:p>
@@ -9556,7 +9887,7 @@
         <p:spPr>
           <a:xfrm>
             <a:off x="397565" y="847128"/>
-            <a:ext cx="9192515" cy="3785652"/>
+            <a:ext cx="9192515" cy="4401205"/>
           </a:xfrm>
           <a:prstGeom prst="rect">
             <a:avLst/>
@@ -9574,14 +9905,14 @@
               <a:buAutoNum type="arabicPeriod"/>
             </a:pPr>
             <a:r>
-              <a:rPr lang="fr-FR" sz="2400" dirty="0">
+              <a:rPr lang="fr-FR" sz="2800" dirty="0">
                 <a:latin typeface="Times New Roman" panose="02020603050405020304" pitchFamily="18" charset="0"/>
                 <a:cs typeface="Times New Roman" panose="02020603050405020304" pitchFamily="18" charset="0"/>
                 <a:hlinkClick r:id="rId2" action="ppaction://hlinksldjump"/>
               </a:rPr>
               <a:t>Définition</a:t>
             </a:r>
-            <a:endParaRPr lang="fr-FR" sz="2400" dirty="0">
+            <a:endParaRPr lang="fr-FR" sz="2800" dirty="0">
               <a:latin typeface="Times New Roman" panose="02020603050405020304" pitchFamily="18" charset="0"/>
               <a:cs typeface="Times New Roman" panose="02020603050405020304" pitchFamily="18" charset="0"/>
             </a:endParaRPr>
@@ -9592,14 +9923,14 @@
               <a:buAutoNum type="arabicPeriod"/>
             </a:pPr>
             <a:r>
-              <a:rPr lang="fr-FR" sz="2400" dirty="0">
+              <a:rPr lang="fr-FR" sz="2800" dirty="0">
                 <a:latin typeface="Times New Roman" panose="02020603050405020304" pitchFamily="18" charset="0"/>
                 <a:cs typeface="Times New Roman" panose="02020603050405020304" pitchFamily="18" charset="0"/>
                 <a:hlinkClick r:id="rId3" action="ppaction://hlinksldjump"/>
               </a:rPr>
               <a:t>Création de variable</a:t>
             </a:r>
-            <a:endParaRPr lang="fr-FR" sz="2400" dirty="0">
+            <a:endParaRPr lang="fr-FR" sz="2800" dirty="0">
               <a:latin typeface="Times New Roman" panose="02020603050405020304" pitchFamily="18" charset="0"/>
               <a:cs typeface="Times New Roman" panose="02020603050405020304" pitchFamily="18" charset="0"/>
             </a:endParaRPr>
@@ -9610,14 +9941,14 @@
               <a:buAutoNum type="arabicPeriod"/>
             </a:pPr>
             <a:r>
-              <a:rPr lang="fr-FR" sz="2400" dirty="0">
+              <a:rPr lang="fr-FR" sz="2800" dirty="0">
                 <a:latin typeface="Times New Roman" panose="02020603050405020304" pitchFamily="18" charset="0"/>
                 <a:cs typeface="Times New Roman" panose="02020603050405020304" pitchFamily="18" charset="0"/>
                 <a:hlinkClick r:id="rId4" action="ppaction://hlinksldjump"/>
               </a:rPr>
               <a:t>Convention de notation</a:t>
             </a:r>
-            <a:endParaRPr lang="fr-FR" sz="2400" dirty="0">
+            <a:endParaRPr lang="fr-FR" sz="2800" dirty="0">
               <a:latin typeface="Times New Roman" panose="02020603050405020304" pitchFamily="18" charset="0"/>
               <a:cs typeface="Times New Roman" panose="02020603050405020304" pitchFamily="18" charset="0"/>
             </a:endParaRPr>
@@ -9628,14 +9959,14 @@
               <a:buAutoNum type="arabicPeriod"/>
             </a:pPr>
             <a:r>
-              <a:rPr lang="fr-FR" sz="2400" dirty="0">
+              <a:rPr lang="fr-FR" sz="2800" dirty="0">
                 <a:latin typeface="Times New Roman" panose="02020603050405020304" pitchFamily="18" charset="0"/>
                 <a:cs typeface="Times New Roman" panose="02020603050405020304" pitchFamily="18" charset="0"/>
                 <a:hlinkClick r:id="rId5" action="ppaction://hlinksldjump"/>
               </a:rPr>
               <a:t>Mots réservés</a:t>
             </a:r>
-            <a:endParaRPr lang="fr-FR" sz="2400" dirty="0">
+            <a:endParaRPr lang="fr-FR" sz="2800" dirty="0">
               <a:latin typeface="Times New Roman" panose="02020603050405020304" pitchFamily="18" charset="0"/>
               <a:cs typeface="Times New Roman" panose="02020603050405020304" pitchFamily="18" charset="0"/>
             </a:endParaRPr>
@@ -9646,14 +9977,14 @@
               <a:buAutoNum type="arabicPeriod"/>
             </a:pPr>
             <a:r>
-              <a:rPr lang="fr-FR" sz="2400" dirty="0">
+              <a:rPr lang="fr-FR" sz="2800" dirty="0">
                 <a:latin typeface="Times New Roman" panose="02020603050405020304" pitchFamily="18" charset="0"/>
                 <a:cs typeface="Times New Roman" panose="02020603050405020304" pitchFamily="18" charset="0"/>
                 <a:hlinkClick r:id="rId6" action="ppaction://hlinksldjump"/>
               </a:rPr>
               <a:t>Type de données</a:t>
             </a:r>
-            <a:endParaRPr lang="fr-FR" sz="2400" dirty="0">
+            <a:endParaRPr lang="fr-FR" sz="2800" dirty="0">
               <a:latin typeface="Times New Roman" panose="02020603050405020304" pitchFamily="18" charset="0"/>
               <a:cs typeface="Times New Roman" panose="02020603050405020304" pitchFamily="18" charset="0"/>
             </a:endParaRPr>
@@ -9664,14 +9995,14 @@
               <a:buAutoNum type="arabicPeriod"/>
             </a:pPr>
             <a:r>
-              <a:rPr lang="fr-FR" sz="2400" dirty="0">
+              <a:rPr lang="fr-FR" sz="2800" dirty="0">
                 <a:latin typeface="Times New Roman" panose="02020603050405020304" pitchFamily="18" charset="0"/>
                 <a:cs typeface="Times New Roman" panose="02020603050405020304" pitchFamily="18" charset="0"/>
                 <a:hlinkClick r:id="rId7" action="ppaction://hlinksldjump"/>
               </a:rPr>
               <a:t>Types usuels</a:t>
             </a:r>
-            <a:endParaRPr lang="fr-FR" sz="2400" dirty="0">
+            <a:endParaRPr lang="fr-FR" sz="2800" dirty="0">
               <a:latin typeface="Times New Roman" panose="02020603050405020304" pitchFamily="18" charset="0"/>
               <a:cs typeface="Times New Roman" panose="02020603050405020304" pitchFamily="18" charset="0"/>
             </a:endParaRPr>
@@ -9682,7 +10013,7 @@
               <a:buAutoNum type="arabicPeriod"/>
             </a:pPr>
             <a:r>
-              <a:rPr lang="fr-FR" sz="2400" dirty="0">
+              <a:rPr lang="fr-FR" sz="2800" dirty="0">
                 <a:latin typeface="Times New Roman" panose="02020603050405020304" pitchFamily="18" charset="0"/>
                 <a:cs typeface="Times New Roman" panose="02020603050405020304" pitchFamily="18" charset="0"/>
                 <a:hlinkClick r:id="rId8" action="ppaction://hlinksldjump"/>
@@ -9690,14 +10021,14 @@
               <a:t>Fonctions type et </a:t>
             </a:r>
             <a:r>
-              <a:rPr lang="fr-FR" sz="2400" dirty="0" err="1">
+              <a:rPr lang="fr-FR" sz="2800" dirty="0" err="1">
                 <a:latin typeface="Times New Roman" panose="02020603050405020304" pitchFamily="18" charset="0"/>
                 <a:cs typeface="Times New Roman" panose="02020603050405020304" pitchFamily="18" charset="0"/>
                 <a:hlinkClick r:id="rId8" action="ppaction://hlinksldjump"/>
               </a:rPr>
               <a:t>print</a:t>
             </a:r>
-            <a:endParaRPr lang="fr-FR" sz="2400" dirty="0">
+            <a:endParaRPr lang="fr-FR" sz="2800" dirty="0">
               <a:latin typeface="Times New Roman" panose="02020603050405020304" pitchFamily="18" charset="0"/>
               <a:cs typeface="Times New Roman" panose="02020603050405020304" pitchFamily="18" charset="0"/>
             </a:endParaRPr>
@@ -9708,14 +10039,14 @@
               <a:buAutoNum type="arabicPeriod"/>
             </a:pPr>
             <a:r>
-              <a:rPr lang="fr-FR" sz="2400" dirty="0">
+              <a:rPr lang="fr-FR" sz="2800" dirty="0">
                 <a:latin typeface="Times New Roman" panose="02020603050405020304" pitchFamily="18" charset="0"/>
                 <a:cs typeface="Times New Roman" panose="02020603050405020304" pitchFamily="18" charset="0"/>
                 <a:hlinkClick r:id="rId9" action="ppaction://hlinksldjump"/>
               </a:rPr>
               <a:t>Echappement</a:t>
             </a:r>
-            <a:endParaRPr lang="fr-FR" sz="2400" dirty="0">
+            <a:endParaRPr lang="fr-FR" sz="2800" dirty="0">
               <a:latin typeface="Times New Roman" panose="02020603050405020304" pitchFamily="18" charset="0"/>
               <a:cs typeface="Times New Roman" panose="02020603050405020304" pitchFamily="18" charset="0"/>
             </a:endParaRPr>
@@ -9726,14 +10057,14 @@
               <a:buAutoNum type="arabicPeriod"/>
             </a:pPr>
             <a:r>
-              <a:rPr lang="fr-FR" sz="2400" dirty="0">
+              <a:rPr lang="fr-FR" sz="2800" dirty="0">
                 <a:latin typeface="Times New Roman" panose="02020603050405020304" pitchFamily="18" charset="0"/>
                 <a:cs typeface="Times New Roman" panose="02020603050405020304" pitchFamily="18" charset="0"/>
                 <a:hlinkClick r:id="rId10" action="ppaction://hlinksldjump"/>
               </a:rPr>
               <a:t>Utilisation d’un éditeur de code</a:t>
             </a:r>
-            <a:endParaRPr lang="fr-FR" sz="2400" dirty="0">
+            <a:endParaRPr lang="fr-FR" sz="2800" dirty="0">
               <a:latin typeface="Times New Roman" panose="02020603050405020304" pitchFamily="18" charset="0"/>
               <a:cs typeface="Times New Roman" panose="02020603050405020304" pitchFamily="18" charset="0"/>
             </a:endParaRPr>
@@ -9744,14 +10075,14 @@
               <a:buAutoNum type="arabicPeriod"/>
             </a:pPr>
             <a:r>
-              <a:rPr lang="fr-FR" sz="2400" dirty="0">
+              <a:rPr lang="fr-FR" sz="2800" dirty="0">
                 <a:latin typeface="Times New Roman" panose="02020603050405020304" pitchFamily="18" charset="0"/>
                 <a:cs typeface="Times New Roman" panose="02020603050405020304" pitchFamily="18" charset="0"/>
                 <a:hlinkClick r:id="rId11" action="ppaction://hlinksldjump"/>
               </a:rPr>
               <a:t>Exercices</a:t>
             </a:r>
-            <a:endParaRPr lang="fr-FR" sz="2400" dirty="0">
+            <a:endParaRPr lang="fr-FR" sz="2800" dirty="0">
               <a:latin typeface="Times New Roman" panose="02020603050405020304" pitchFamily="18" charset="0"/>
               <a:cs typeface="Times New Roman" panose="02020603050405020304" pitchFamily="18" charset="0"/>
             </a:endParaRPr>
@@ -9914,7 +10245,7 @@
           <a:lstStyle/>
           <a:p>
             <a:r>
-              <a:rPr lang="fr-FR" sz="2400" dirty="0">
+              <a:rPr lang="fr-FR" sz="2400" b="1" dirty="0">
                 <a:latin typeface="Times New Roman" panose="02020603050405020304" pitchFamily="18" charset="0"/>
                 <a:cs typeface="Times New Roman" panose="02020603050405020304" pitchFamily="18" charset="0"/>
               </a:rPr>
@@ -10104,18 +10435,11 @@
               <a:t>Avec Python une variable de nom </a:t>
             </a:r>
             <a:r>
-              <a:rPr lang="fr-FR" sz="2000" b="1" dirty="0" err="1">
-                <a:latin typeface="Times New Roman" panose="02020603050405020304" pitchFamily="18" charset="0"/>
-                <a:cs typeface="Times New Roman" panose="02020603050405020304" pitchFamily="18" charset="0"/>
-              </a:rPr>
-              <a:t>age</a:t>
-            </a:r>
-            <a:r>
               <a:rPr lang="fr-FR" sz="2000" b="1" dirty="0">
                 <a:latin typeface="Times New Roman" panose="02020603050405020304" pitchFamily="18" charset="0"/>
                 <a:cs typeface="Times New Roman" panose="02020603050405020304" pitchFamily="18" charset="0"/>
               </a:rPr>
-              <a:t> </a:t>
+              <a:t>age </a:t>
             </a:r>
             <a:r>
               <a:rPr lang="fr-FR" sz="2000" dirty="0">
@@ -10129,7 +10453,7 @@
                 <a:latin typeface="Times New Roman" panose="02020603050405020304" pitchFamily="18" charset="0"/>
                 <a:cs typeface="Times New Roman" panose="02020603050405020304" pitchFamily="18" charset="0"/>
               </a:rPr>
-              <a:t>langage typés</a:t>
+              <a:t>langages typés</a:t>
             </a:r>
             <a:r>
               <a:rPr lang="fr-FR" sz="2000" dirty="0">
@@ -10297,7 +10621,7 @@
           <a:lstStyle/>
           <a:p>
             <a:r>
-              <a:rPr lang="fr-FR" sz="2400" dirty="0">
+              <a:rPr lang="fr-FR" sz="2400" b="1" dirty="0">
                 <a:latin typeface="Times New Roman" panose="02020603050405020304" pitchFamily="18" charset="0"/>
                 <a:cs typeface="Times New Roman" panose="02020603050405020304" pitchFamily="18" charset="0"/>
               </a:rPr>
@@ -10533,7 +10857,7 @@
               <a:t>Le langage Python est sensible à la casse il différencie les majuscules des minuscules la variable </a:t>
             </a:r>
             <a:r>
-              <a:rPr lang="fr-FR" sz="2000" b="1" dirty="0" err="1">
+              <a:rPr lang="fr-FR" sz="2000" b="1" dirty="0">
                 <a:latin typeface="Times New Roman" panose="02020603050405020304" pitchFamily="18" charset="0"/>
                 <a:cs typeface="Times New Roman" panose="02020603050405020304" pitchFamily="18" charset="0"/>
               </a:rPr>
@@ -10677,7 +11001,7 @@
           <a:lstStyle/>
           <a:p>
             <a:r>
-              <a:rPr lang="fr-FR" sz="2400" dirty="0">
+              <a:rPr lang="fr-FR" sz="2400" b="1" dirty="0">
                 <a:latin typeface="Times New Roman" panose="02020603050405020304" pitchFamily="18" charset="0"/>
                 <a:cs typeface="Times New Roman" panose="02020603050405020304" pitchFamily="18" charset="0"/>
               </a:rPr>
@@ -10811,7 +11135,7 @@
               <a:t> case sera par exemple </a:t>
             </a:r>
             <a:r>
-              <a:rPr lang="fr-FR" sz="2000" b="1" dirty="0" err="1">
+              <a:rPr lang="fr-FR" sz="2000" b="1" i="1" dirty="0" err="1">
                 <a:latin typeface="Times New Roman" panose="02020603050405020304" pitchFamily="18" charset="0"/>
                 <a:cs typeface="Times New Roman" panose="02020603050405020304" pitchFamily="18" charset="0"/>
               </a:rPr>
@@ -10913,7 +11237,7 @@
               <a:t> case sera par exemple </a:t>
             </a:r>
             <a:r>
-              <a:rPr lang="fr-FR" sz="2000" b="1" dirty="0" err="1">
+              <a:rPr lang="fr-FR" sz="2000" b="1" i="1" dirty="0" err="1">
                 <a:latin typeface="Times New Roman" panose="02020603050405020304" pitchFamily="18" charset="0"/>
                 <a:cs typeface="Times New Roman" panose="02020603050405020304" pitchFamily="18" charset="0"/>
               </a:rPr>
@@ -10984,25 +11308,18 @@
               <a:t>mais « </a:t>
             </a:r>
             <a:r>
-              <a:rPr lang="fr-FR" sz="2000" b="1" dirty="0" err="1">
-                <a:latin typeface="Times New Roman" panose="02020603050405020304" pitchFamily="18" charset="0"/>
-                <a:cs typeface="Times New Roman" panose="02020603050405020304" pitchFamily="18" charset="0"/>
-              </a:rPr>
-              <a:t>age</a:t>
-            </a:r>
-            <a:r>
               <a:rPr lang="fr-FR" sz="2000" b="1" dirty="0">
                 <a:latin typeface="Times New Roman" panose="02020603050405020304" pitchFamily="18" charset="0"/>
                 <a:cs typeface="Times New Roman" panose="02020603050405020304" pitchFamily="18" charset="0"/>
               </a:rPr>
-              <a:t> » </a:t>
+              <a:t>age » </a:t>
             </a:r>
             <a:r>
               <a:rPr lang="fr-FR" sz="2000" dirty="0">
                 <a:latin typeface="Times New Roman" panose="02020603050405020304" pitchFamily="18" charset="0"/>
                 <a:cs typeface="Times New Roman" panose="02020603050405020304" pitchFamily="18" charset="0"/>
               </a:rPr>
-              <a:t>pour designer une variable qui va contenir un âge. </a:t>
+              <a:t>pour désigner une variable qui va contenir un âge. </a:t>
             </a:r>
           </a:p>
         </p:txBody>
@@ -11040,7 +11357,7 @@
                 <a:latin typeface="Times New Roman" panose="02020603050405020304" pitchFamily="18" charset="0"/>
                 <a:cs typeface="Times New Roman" panose="02020603050405020304" pitchFamily="18" charset="0"/>
               </a:rPr>
-              <a:t>Dans la suite du cours nous utiliserons comme convention la notation Camel Case mais libre a chaque programmeur d’utiliser sa convention tout en restant cohérent.</a:t>
+              <a:t>Dans la suite du cours nous utiliserons comme convention la notation Camel Case mais libre à chaque programmeur d’utiliser sa convention tout en restant cohérent.</a:t>
             </a:r>
           </a:p>
         </p:txBody>
@@ -11201,7 +11518,7 @@
           <a:lstStyle/>
           <a:p>
             <a:r>
-              <a:rPr lang="fr-FR" sz="2400" dirty="0">
+              <a:rPr lang="fr-FR" sz="2400" b="1" dirty="0">
                 <a:latin typeface="Times New Roman" panose="02020603050405020304" pitchFamily="18" charset="0"/>
                 <a:cs typeface="Times New Roman" panose="02020603050405020304" pitchFamily="18" charset="0"/>
               </a:rPr>
@@ -11555,7 +11872,7 @@
           <a:lstStyle/>
           <a:p>
             <a:r>
-              <a:rPr lang="fr-FR" sz="2400" dirty="0">
+              <a:rPr lang="fr-FR" sz="2400" b="1" dirty="0">
                 <a:latin typeface="Times New Roman" panose="02020603050405020304" pitchFamily="18" charset="0"/>
                 <a:cs typeface="Times New Roman" panose="02020603050405020304" pitchFamily="18" charset="0"/>
               </a:rPr>
@@ -11742,7 +12059,7 @@
                 <a:latin typeface="Times New Roman" panose="02020603050405020304" pitchFamily="18" charset="0"/>
                 <a:cs typeface="Times New Roman" panose="02020603050405020304" pitchFamily="18" charset="0"/>
               </a:rPr>
-              <a:t>Les types sont classés en deux catégories les types simples (primitifs) et les types complexes (que nous ne traiteront pas pour le moment).</a:t>
+              <a:t>Les types sont classés en deux catégories les types simples (primitifs) et les types complexes (que nous ne traiterons pas pour le moment).</a:t>
             </a:r>
           </a:p>
         </p:txBody>
@@ -11864,7 +12181,7 @@
           <a:lstStyle/>
           <a:p>
             <a:r>
-              <a:rPr lang="fr-FR" sz="2400" dirty="0">
+              <a:rPr lang="fr-FR" sz="2400" b="1" dirty="0">
                 <a:latin typeface="Times New Roman" panose="02020603050405020304" pitchFamily="18" charset="0"/>
                 <a:cs typeface="Times New Roman" panose="02020603050405020304" pitchFamily="18" charset="0"/>
               </a:rPr>
@@ -11990,7 +12307,7 @@
               <a:t>Les nombres entiers nommé </a:t>
             </a:r>
             <a:r>
-              <a:rPr lang="fr-FR" sz="2000" b="1" dirty="0" err="1">
+              <a:rPr lang="fr-FR" sz="2000" b="1" i="1" dirty="0" err="1">
                 <a:latin typeface="Times New Roman" panose="02020603050405020304" pitchFamily="18" charset="0"/>
                 <a:cs typeface="Times New Roman" panose="02020603050405020304" pitchFamily="18" charset="0"/>
               </a:rPr>
@@ -12011,7 +12328,7 @@
               <a:t>en Python pour </a:t>
             </a:r>
             <a:r>
-              <a:rPr lang="fr-FR" sz="2000" b="1" dirty="0" err="1">
+              <a:rPr lang="fr-FR" sz="2000" b="1" i="1" dirty="0" err="1">
                 <a:latin typeface="Times New Roman" panose="02020603050405020304" pitchFamily="18" charset="0"/>
                 <a:cs typeface="Times New Roman" panose="02020603050405020304" pitchFamily="18" charset="0"/>
               </a:rPr>
@@ -12045,7 +12362,7 @@
               <a:t>Les nombres flottants (à virgule) nommé </a:t>
             </a:r>
             <a:r>
-              <a:rPr lang="fr-FR" sz="2000" b="1" dirty="0" err="1">
+              <a:rPr lang="fr-FR" sz="2000" b="1" i="1" dirty="0" err="1">
                 <a:latin typeface="Times New Roman" panose="02020603050405020304" pitchFamily="18" charset="0"/>
                 <a:cs typeface="Times New Roman" panose="02020603050405020304" pitchFamily="18" charset="0"/>
               </a:rPr>
@@ -12066,11 +12383,18 @@
               <a:t>en Python pour </a:t>
             </a:r>
             <a:r>
+              <a:rPr lang="fr-FR" sz="2000" b="1" i="1" dirty="0">
+                <a:latin typeface="Times New Roman" panose="02020603050405020304" pitchFamily="18" charset="0"/>
+                <a:cs typeface="Times New Roman" panose="02020603050405020304" pitchFamily="18" charset="0"/>
+              </a:rPr>
+              <a:t>flottant</a:t>
+            </a:r>
+            <a:r>
               <a:rPr lang="fr-FR" sz="2000" b="1" dirty="0">
                 <a:latin typeface="Times New Roman" panose="02020603050405020304" pitchFamily="18" charset="0"/>
                 <a:cs typeface="Times New Roman" panose="02020603050405020304" pitchFamily="18" charset="0"/>
               </a:rPr>
-              <a:t>flottant </a:t>
+              <a:t> </a:t>
             </a:r>
             <a:r>
               <a:rPr lang="fr-FR" sz="2000" dirty="0">
@@ -12093,7 +12417,7 @@
               <a:t>Les types booléens (vrai/faux) nommé </a:t>
             </a:r>
             <a:r>
-              <a:rPr lang="fr-FR" sz="2000" b="1" dirty="0" err="1">
+              <a:rPr lang="fr-FR" sz="2000" b="1" i="1" dirty="0" err="1">
                 <a:latin typeface="Times New Roman" panose="02020603050405020304" pitchFamily="18" charset="0"/>
                 <a:cs typeface="Times New Roman" panose="02020603050405020304" pitchFamily="18" charset="0"/>
               </a:rPr>
@@ -12114,7 +12438,7 @@
               <a:t>en Python pour </a:t>
             </a:r>
             <a:r>
-              <a:rPr lang="fr-FR" sz="2000" b="1" dirty="0" err="1">
+              <a:rPr lang="fr-FR" sz="2000" b="1" i="1" dirty="0" err="1">
                 <a:latin typeface="Times New Roman" panose="02020603050405020304" pitchFamily="18" charset="0"/>
                 <a:cs typeface="Times New Roman" panose="02020603050405020304" pitchFamily="18" charset="0"/>
               </a:rPr>
@@ -12135,18 +12459,25 @@
               <a:t>constitué de deux valeurs possible </a:t>
             </a:r>
             <a:r>
-              <a:rPr lang="fr-FR" sz="2000" b="1" dirty="0" err="1">
+              <a:rPr lang="fr-FR" sz="2000" b="1" i="1" dirty="0" err="1">
                 <a:latin typeface="Times New Roman" panose="02020603050405020304" pitchFamily="18" charset="0"/>
                 <a:cs typeface="Times New Roman" panose="02020603050405020304" pitchFamily="18" charset="0"/>
               </a:rPr>
               <a:t>True</a:t>
             </a:r>
             <a:r>
+              <a:rPr lang="fr-FR" sz="2000" b="1" i="1" dirty="0">
+                <a:latin typeface="Times New Roman" panose="02020603050405020304" pitchFamily="18" charset="0"/>
+                <a:cs typeface="Times New Roman" panose="02020603050405020304" pitchFamily="18" charset="0"/>
+              </a:rPr>
+              <a:t>/False</a:t>
+            </a:r>
+            <a:r>
               <a:rPr lang="fr-FR" sz="2000" b="1" dirty="0">
                 <a:latin typeface="Times New Roman" panose="02020603050405020304" pitchFamily="18" charset="0"/>
                 <a:cs typeface="Times New Roman" panose="02020603050405020304" pitchFamily="18" charset="0"/>
               </a:rPr>
-              <a:t>/False. </a:t>
+              <a:t>. </a:t>
             </a:r>
           </a:p>
           <a:p>
@@ -12162,7 +12493,7 @@
               <a:t>Les chaines de caractères nommé </a:t>
             </a:r>
             <a:r>
-              <a:rPr lang="fr-FR" sz="2000" b="1" dirty="0" err="1">
+              <a:rPr lang="fr-FR" sz="2000" b="1" i="1" dirty="0" err="1">
                 <a:latin typeface="Times New Roman" panose="02020603050405020304" pitchFamily="18" charset="0"/>
                 <a:cs typeface="Times New Roman" panose="02020603050405020304" pitchFamily="18" charset="0"/>
               </a:rPr>
@@ -12183,11 +12514,18 @@
               <a:t>en Python pour </a:t>
             </a:r>
             <a:r>
+              <a:rPr lang="fr-FR" sz="2000" b="1" i="1" dirty="0">
+                <a:latin typeface="Times New Roman" panose="02020603050405020304" pitchFamily="18" charset="0"/>
+                <a:cs typeface="Times New Roman" panose="02020603050405020304" pitchFamily="18" charset="0"/>
+              </a:rPr>
+              <a:t>string</a:t>
+            </a:r>
+            <a:r>
               <a:rPr lang="fr-FR" sz="2000" b="1" dirty="0">
                 <a:latin typeface="Times New Roman" panose="02020603050405020304" pitchFamily="18" charset="0"/>
                 <a:cs typeface="Times New Roman" panose="02020603050405020304" pitchFamily="18" charset="0"/>
               </a:rPr>
-              <a:t>string </a:t>
+              <a:t> </a:t>
             </a:r>
             <a:r>
               <a:rPr lang="fr-FR" sz="2000" dirty="0">
@@ -12346,21 +12684,35 @@
           <a:lstStyle/>
           <a:p>
             <a:r>
-              <a:rPr lang="fr-FR" sz="2400" dirty="0">
-                <a:latin typeface="Times New Roman" panose="02020603050405020304" pitchFamily="18" charset="0"/>
-                <a:cs typeface="Times New Roman" panose="02020603050405020304" pitchFamily="18" charset="0"/>
-              </a:rPr>
-              <a:t>Fonctions type et </a:t>
-            </a:r>
-            <a:r>
-              <a:rPr lang="fr-FR" sz="2400" dirty="0" err="1">
+              <a:rPr lang="fr-FR" sz="2400" b="1" dirty="0">
+                <a:latin typeface="Times New Roman" panose="02020603050405020304" pitchFamily="18" charset="0"/>
+                <a:cs typeface="Times New Roman" panose="02020603050405020304" pitchFamily="18" charset="0"/>
+              </a:rPr>
+              <a:t>Fonctions </a:t>
+            </a:r>
+            <a:r>
+              <a:rPr lang="fr-FR" sz="2400" b="1" i="1" dirty="0">
+                <a:latin typeface="Times New Roman" panose="02020603050405020304" pitchFamily="18" charset="0"/>
+                <a:cs typeface="Times New Roman" panose="02020603050405020304" pitchFamily="18" charset="0"/>
+              </a:rPr>
+              <a:t>type</a:t>
+            </a:r>
+            <a:r>
+              <a:rPr lang="fr-FR" sz="2400" b="1" dirty="0">
+                <a:latin typeface="Times New Roman" panose="02020603050405020304" pitchFamily="18" charset="0"/>
+                <a:cs typeface="Times New Roman" panose="02020603050405020304" pitchFamily="18" charset="0"/>
+              </a:rPr>
+              <a:t> et </a:t>
+            </a:r>
+            <a:r>
+              <a:rPr lang="fr-FR" sz="2400" b="1" i="1" dirty="0" err="1">
                 <a:latin typeface="Times New Roman" panose="02020603050405020304" pitchFamily="18" charset="0"/>
                 <a:cs typeface="Times New Roman" panose="02020603050405020304" pitchFamily="18" charset="0"/>
               </a:rPr>
               <a:t>print</a:t>
             </a:r>
             <a:r>
-              <a:rPr lang="fr-FR" sz="2400" dirty="0">
+              <a:rPr lang="fr-FR" sz="2400" b="1" dirty="0">
                 <a:latin typeface="Times New Roman" panose="02020603050405020304" pitchFamily="18" charset="0"/>
                 <a:cs typeface="Times New Roman" panose="02020603050405020304" pitchFamily="18" charset="0"/>
               </a:rPr>
@@ -12447,21 +12799,21 @@
           <a:p>
             <a:pPr algn="ctr"/>
             <a:r>
-              <a:rPr lang="fr-FR" sz="2000" b="1" dirty="0">
+              <a:rPr lang="fr-FR" sz="2000" b="1" i="1" dirty="0">
                 <a:latin typeface="Times New Roman" panose="02020603050405020304" pitchFamily="18" charset="0"/>
                 <a:cs typeface="Times New Roman" panose="02020603050405020304" pitchFamily="18" charset="0"/>
               </a:rPr>
               <a:t>type(</a:t>
             </a:r>
             <a:r>
-              <a:rPr lang="fr-FR" sz="2000" b="1" dirty="0" err="1">
+              <a:rPr lang="fr-FR" sz="2000" b="1" i="1" dirty="0" err="1">
                 <a:latin typeface="Times New Roman" panose="02020603050405020304" pitchFamily="18" charset="0"/>
                 <a:cs typeface="Times New Roman" panose="02020603050405020304" pitchFamily="18" charset="0"/>
               </a:rPr>
               <a:t>nom_de_la_variable</a:t>
             </a:r>
             <a:r>
-              <a:rPr lang="fr-FR" sz="2000" b="1" dirty="0">
+              <a:rPr lang="fr-FR" sz="2000" b="1" i="1" dirty="0">
                 <a:latin typeface="Times New Roman" panose="02020603050405020304" pitchFamily="18" charset="0"/>
                 <a:cs typeface="Times New Roman" panose="02020603050405020304" pitchFamily="18" charset="0"/>
               </a:rPr>
@@ -12538,41 +12890,41 @@
           </a:p>
           <a:p>
             <a:r>
-              <a:rPr lang="fr-FR" sz="2000" dirty="0">
+              <a:rPr lang="fr-FR" sz="2000" i="1" dirty="0">
                 <a:latin typeface="Times New Roman" panose="02020603050405020304" pitchFamily="18" charset="0"/>
                 <a:cs typeface="Times New Roman" panose="02020603050405020304" pitchFamily="18" charset="0"/>
               </a:rPr>
               <a:t>									 </a:t>
             </a:r>
             <a:r>
-              <a:rPr lang="fr-FR" sz="2000" b="1" dirty="0" err="1">
+              <a:rPr lang="fr-FR" sz="2000" b="1" i="1" dirty="0" err="1">
                 <a:latin typeface="Times New Roman" panose="02020603050405020304" pitchFamily="18" charset="0"/>
                 <a:cs typeface="Times New Roman" panose="02020603050405020304" pitchFamily="18" charset="0"/>
               </a:rPr>
               <a:t>print</a:t>
             </a:r>
             <a:r>
-              <a:rPr lang="fr-FR" sz="2000" b="1" dirty="0">
+              <a:rPr lang="fr-FR" sz="2000" b="1" i="1" dirty="0">
                 <a:latin typeface="Times New Roman" panose="02020603050405020304" pitchFamily="18" charset="0"/>
                 <a:cs typeface="Times New Roman" panose="02020603050405020304" pitchFamily="18" charset="0"/>
               </a:rPr>
               <a:t>(</a:t>
             </a:r>
             <a:r>
-              <a:rPr lang="fr-FR" sz="2000" b="1" dirty="0" err="1">
+              <a:rPr lang="fr-FR" sz="2000" b="1" i="1" dirty="0" err="1">
                 <a:latin typeface="Times New Roman" panose="02020603050405020304" pitchFamily="18" charset="0"/>
                 <a:cs typeface="Times New Roman" panose="02020603050405020304" pitchFamily="18" charset="0"/>
               </a:rPr>
               <a:t>nom_de_la_variable</a:t>
             </a:r>
             <a:r>
-              <a:rPr lang="fr-FR" sz="2000" b="1" dirty="0">
+              <a:rPr lang="fr-FR" sz="2000" b="1" i="1" dirty="0">
                 <a:latin typeface="Times New Roman" panose="02020603050405020304" pitchFamily="18" charset="0"/>
                 <a:cs typeface="Times New Roman" panose="02020603050405020304" pitchFamily="18" charset="0"/>
               </a:rPr>
               <a:t>)</a:t>
             </a:r>
-            <a:endParaRPr lang="fr-FR" sz="2000" dirty="0">
+            <a:endParaRPr lang="fr-FR" sz="2000" i="1" dirty="0">
               <a:latin typeface="Times New Roman" panose="02020603050405020304" pitchFamily="18" charset="0"/>
               <a:cs typeface="Times New Roman" panose="02020603050405020304" pitchFamily="18" charset="0"/>
             </a:endParaRPr>
